--- a/posts/learn_vulkan/vulkan.pptx
+++ b/posts/learn_vulkan/vulkan.pptx
@@ -10,6 +10,7 @@
     <p:sldId id="258" r:id="rId5"/>
     <p:sldId id="260" r:id="rId6"/>
     <p:sldId id="261" r:id="rId7"/>
+    <p:sldId id="262" r:id="rId8"/>
   </p:sldIdLst>
   <p:sldSz cx="12192000" cy="6858000"/>
   <p:notesSz cx="6858000" cy="9144000"/>
@@ -8727,6 +8728,1417 @@
 </p:sld>
 </file>
 
+<file path=ppt/slides/slide6.xml><?xml version="1.0" encoding="utf-8"?>
+<p:sld xmlns:a="http://schemas.openxmlformats.org/drawingml/2006/main" xmlns:r="http://schemas.openxmlformats.org/officeDocument/2006/relationships" xmlns:p="http://schemas.openxmlformats.org/presentationml/2006/main">
+  <p:cSld>
+    <p:spTree>
+      <p:nvGrpSpPr>
+        <p:cNvPr id="1" name=""/>
+        <p:cNvGrpSpPr/>
+        <p:nvPr/>
+      </p:nvGrpSpPr>
+      <p:grpSpPr/>
+      <p:sp>
+        <p:nvSpPr>
+          <p:cNvPr id="4" name="矩形 3"/>
+          <p:cNvSpPr/>
+          <p:nvPr/>
+        </p:nvSpPr>
+        <p:spPr>
+          <a:xfrm>
+            <a:off x="1148715" y="198755"/>
+            <a:ext cx="9465310" cy="3166745"/>
+          </a:xfrm>
+          <a:prstGeom prst="rect">
+            <a:avLst/>
+          </a:prstGeom>
+          <a:solidFill>
+            <a:schemeClr val="accent6">
+              <a:lumMod val="20000"/>
+              <a:lumOff val="80000"/>
+            </a:schemeClr>
+          </a:solidFill>
+          <a:ln>
+            <a:solidFill>
+              <a:schemeClr val="accent1">
+                <a:lumMod val="40000"/>
+                <a:lumOff val="60000"/>
+              </a:schemeClr>
+            </a:solidFill>
+          </a:ln>
+        </p:spPr>
+        <p:style>
+          <a:lnRef idx="2">
+            <a:schemeClr val="accent1">
+              <a:shade val="50000"/>
+            </a:schemeClr>
+          </a:lnRef>
+          <a:fillRef idx="1">
+            <a:schemeClr val="accent1"/>
+          </a:fillRef>
+          <a:effectRef idx="0">
+            <a:schemeClr val="accent1"/>
+          </a:effectRef>
+          <a:fontRef idx="minor">
+            <a:schemeClr val="lt1"/>
+          </a:fontRef>
+        </p:style>
+        <p:txBody>
+          <a:bodyPr rtlCol="0" anchor="ctr"/>
+          <a:p>
+            <a:pPr algn="ctr"/>
+            <a:endParaRPr lang="zh-CN" altLang="en-US"/>
+          </a:p>
+        </p:txBody>
+      </p:sp>
+      <p:sp>
+        <p:nvSpPr>
+          <p:cNvPr id="27" name="矩形 26"/>
+          <p:cNvSpPr/>
+          <p:nvPr/>
+        </p:nvSpPr>
+        <p:spPr>
+          <a:xfrm>
+            <a:off x="4319905" y="1313815"/>
+            <a:ext cx="6136005" cy="1852295"/>
+          </a:xfrm>
+          <a:prstGeom prst="rect">
+            <a:avLst/>
+          </a:prstGeom>
+          <a:solidFill>
+            <a:schemeClr val="accent2">
+              <a:lumMod val="20000"/>
+              <a:lumOff val="80000"/>
+            </a:schemeClr>
+          </a:solidFill>
+        </p:spPr>
+        <p:style>
+          <a:lnRef idx="2">
+            <a:schemeClr val="accent1">
+              <a:shade val="50000"/>
+            </a:schemeClr>
+          </a:lnRef>
+          <a:fillRef idx="1">
+            <a:schemeClr val="accent1"/>
+          </a:fillRef>
+          <a:effectRef idx="0">
+            <a:schemeClr val="accent1"/>
+          </a:effectRef>
+          <a:fontRef idx="minor">
+            <a:schemeClr val="lt1"/>
+          </a:fontRef>
+        </p:style>
+        <p:txBody>
+          <a:bodyPr rtlCol="0" anchor="ctr"/>
+          <a:p>
+            <a:pPr algn="ctr"/>
+            <a:endParaRPr lang="zh-CN" altLang="en-US"/>
+          </a:p>
+        </p:txBody>
+      </p:sp>
+      <p:sp>
+        <p:nvSpPr>
+          <p:cNvPr id="5" name="文本框 4"/>
+          <p:cNvSpPr txBox="1"/>
+          <p:nvPr/>
+        </p:nvSpPr>
+        <p:spPr>
+          <a:xfrm>
+            <a:off x="3175" y="944880"/>
+            <a:ext cx="817880" cy="368300"/>
+          </a:xfrm>
+          <a:prstGeom prst="rect">
+            <a:avLst/>
+          </a:prstGeom>
+          <a:noFill/>
+        </p:spPr>
+        <p:txBody>
+          <a:bodyPr wrap="none" rtlCol="0">
+            <a:spAutoFit/>
+          </a:bodyPr>
+          <a:p>
+            <a:r>
+              <a:rPr lang="en-US" altLang="zh-CN" b="1"/>
+              <a:t>Client</a:t>
+            </a:r>
+            <a:endParaRPr lang="en-US" altLang="zh-CN" b="1"/>
+          </a:p>
+        </p:txBody>
+      </p:sp>
+      <p:sp>
+        <p:nvSpPr>
+          <p:cNvPr id="6" name="矩形 5"/>
+          <p:cNvSpPr/>
+          <p:nvPr/>
+        </p:nvSpPr>
+        <p:spPr>
+          <a:xfrm>
+            <a:off x="1148715" y="3742690"/>
+            <a:ext cx="9465310" cy="918210"/>
+          </a:xfrm>
+          <a:prstGeom prst="rect">
+            <a:avLst/>
+          </a:prstGeom>
+          <a:solidFill>
+            <a:schemeClr val="accent5">
+              <a:lumMod val="20000"/>
+              <a:lumOff val="80000"/>
+            </a:schemeClr>
+          </a:solidFill>
+          <a:ln>
+            <a:solidFill>
+              <a:schemeClr val="accent1">
+                <a:lumMod val="40000"/>
+                <a:lumOff val="60000"/>
+              </a:schemeClr>
+            </a:solidFill>
+          </a:ln>
+        </p:spPr>
+        <p:style>
+          <a:lnRef idx="2">
+            <a:schemeClr val="accent1">
+              <a:shade val="50000"/>
+            </a:schemeClr>
+          </a:lnRef>
+          <a:fillRef idx="1">
+            <a:schemeClr val="accent1"/>
+          </a:fillRef>
+          <a:effectRef idx="0">
+            <a:schemeClr val="accent1"/>
+          </a:effectRef>
+          <a:fontRef idx="minor">
+            <a:schemeClr val="lt1"/>
+          </a:fontRef>
+        </p:style>
+        <p:txBody>
+          <a:bodyPr rtlCol="0" anchor="ctr"/>
+          <a:p>
+            <a:pPr algn="ctr"/>
+            <a:endParaRPr lang="zh-CN" altLang="en-US"/>
+          </a:p>
+        </p:txBody>
+      </p:sp>
+      <p:sp>
+        <p:nvSpPr>
+          <p:cNvPr id="7" name="文本框 6"/>
+          <p:cNvSpPr txBox="1"/>
+          <p:nvPr/>
+        </p:nvSpPr>
+        <p:spPr>
+          <a:xfrm>
+            <a:off x="3175" y="3911600"/>
+            <a:ext cx="1097280" cy="368300"/>
+          </a:xfrm>
+          <a:prstGeom prst="rect">
+            <a:avLst/>
+          </a:prstGeom>
+          <a:noFill/>
+        </p:spPr>
+        <p:txBody>
+          <a:bodyPr wrap="none" rtlCol="0">
+            <a:spAutoFit/>
+          </a:bodyPr>
+          <a:p>
+            <a:r>
+              <a:rPr lang="en-US" altLang="zh-CN" b="1"/>
+              <a:t>Runtime</a:t>
+            </a:r>
+            <a:endParaRPr lang="en-US" altLang="zh-CN" b="1"/>
+          </a:p>
+        </p:txBody>
+      </p:sp>
+      <p:sp>
+        <p:nvSpPr>
+          <p:cNvPr id="8" name="矩形 7"/>
+          <p:cNvSpPr/>
+          <p:nvPr/>
+        </p:nvSpPr>
+        <p:spPr>
+          <a:xfrm>
+            <a:off x="1368425" y="568325"/>
+            <a:ext cx="1235710" cy="525145"/>
+          </a:xfrm>
+          <a:prstGeom prst="rect">
+            <a:avLst/>
+          </a:prstGeom>
+        </p:spPr>
+        <p:style>
+          <a:lnRef idx="2">
+            <a:schemeClr val="accent1">
+              <a:shade val="50000"/>
+            </a:schemeClr>
+          </a:lnRef>
+          <a:fillRef idx="1">
+            <a:schemeClr val="accent1"/>
+          </a:fillRef>
+          <a:effectRef idx="0">
+            <a:schemeClr val="accent1"/>
+          </a:effectRef>
+          <a:fontRef idx="minor">
+            <a:schemeClr val="lt1"/>
+          </a:fontRef>
+        </p:style>
+        <p:txBody>
+          <a:bodyPr rtlCol="0" anchor="ctr"/>
+          <a:p>
+            <a:pPr algn="ctr"/>
+            <a:r>
+              <a:rPr lang="en-US" altLang="zh-CN" sz="1200"/>
+              <a:t>xrWaitFrame</a:t>
+            </a:r>
+            <a:endParaRPr lang="en-US" altLang="zh-CN" sz="1200"/>
+          </a:p>
+        </p:txBody>
+      </p:sp>
+      <p:sp>
+        <p:nvSpPr>
+          <p:cNvPr id="9" name="矩形 8"/>
+          <p:cNvSpPr/>
+          <p:nvPr/>
+        </p:nvSpPr>
+        <p:spPr>
+          <a:xfrm>
+            <a:off x="1368425" y="3924300"/>
+            <a:ext cx="1235710" cy="525145"/>
+          </a:xfrm>
+          <a:prstGeom prst="rect">
+            <a:avLst/>
+          </a:prstGeom>
+        </p:spPr>
+        <p:style>
+          <a:lnRef idx="2">
+            <a:schemeClr val="accent1">
+              <a:shade val="50000"/>
+            </a:schemeClr>
+          </a:lnRef>
+          <a:fillRef idx="1">
+            <a:schemeClr val="accent1"/>
+          </a:fillRef>
+          <a:effectRef idx="0">
+            <a:schemeClr val="accent1"/>
+          </a:effectRef>
+          <a:fontRef idx="minor">
+            <a:schemeClr val="lt1"/>
+          </a:fontRef>
+        </p:style>
+        <p:txBody>
+          <a:bodyPr rtlCol="0" anchor="ctr"/>
+          <a:p>
+            <a:pPr algn="ctr"/>
+            <a:r>
+              <a:rPr lang="en-US" altLang="zh-CN" sz="1200"/>
+              <a:t>predictFrame</a:t>
+            </a:r>
+            <a:endParaRPr lang="en-US" altLang="zh-CN" sz="1200"/>
+          </a:p>
+        </p:txBody>
+      </p:sp>
+      <p:cxnSp>
+        <p:nvCxnSpPr>
+          <p:cNvPr id="12" name="直接箭头连接符 11"/>
+          <p:cNvCxnSpPr>
+            <a:stCxn id="8" idx="2"/>
+            <a:endCxn id="9" idx="0"/>
+          </p:cNvCxnSpPr>
+          <p:nvPr/>
+        </p:nvCxnSpPr>
+        <p:spPr>
+          <a:xfrm>
+            <a:off x="1986280" y="1093470"/>
+            <a:ext cx="0" cy="2830830"/>
+          </a:xfrm>
+          <a:prstGeom prst="straightConnector1">
+            <a:avLst/>
+          </a:prstGeom>
+          <a:ln>
+            <a:tailEnd type="arrow"/>
+          </a:ln>
+        </p:spPr>
+        <p:style>
+          <a:lnRef idx="1">
+            <a:schemeClr val="accent1"/>
+          </a:lnRef>
+          <a:fillRef idx="0">
+            <a:schemeClr val="accent1"/>
+          </a:fillRef>
+          <a:effectRef idx="0">
+            <a:schemeClr val="accent1"/>
+          </a:effectRef>
+          <a:fontRef idx="minor">
+            <a:schemeClr val="tx1"/>
+          </a:fontRef>
+        </p:style>
+      </p:cxnSp>
+      <p:sp>
+        <p:nvSpPr>
+          <p:cNvPr id="13" name="矩形 12"/>
+          <p:cNvSpPr/>
+          <p:nvPr/>
+        </p:nvSpPr>
+        <p:spPr>
+          <a:xfrm>
+            <a:off x="2827655" y="568325"/>
+            <a:ext cx="1235710" cy="525145"/>
+          </a:xfrm>
+          <a:prstGeom prst="rect">
+            <a:avLst/>
+          </a:prstGeom>
+          <a:solidFill>
+            <a:schemeClr val="accent2"/>
+          </a:solidFill>
+        </p:spPr>
+        <p:style>
+          <a:lnRef idx="2">
+            <a:schemeClr val="accent1">
+              <a:shade val="50000"/>
+            </a:schemeClr>
+          </a:lnRef>
+          <a:fillRef idx="1">
+            <a:schemeClr val="accent1"/>
+          </a:fillRef>
+          <a:effectRef idx="0">
+            <a:schemeClr val="accent1"/>
+          </a:effectRef>
+          <a:fontRef idx="minor">
+            <a:schemeClr val="lt1"/>
+          </a:fontRef>
+        </p:style>
+        <p:txBody>
+          <a:bodyPr rtlCol="0" anchor="ctr"/>
+          <a:p>
+            <a:pPr algn="ctr"/>
+            <a:r>
+              <a:rPr lang="en-US" altLang="zh-CN" sz="1200"/>
+              <a:t>sleep</a:t>
+            </a:r>
+            <a:endParaRPr lang="en-US" altLang="zh-CN" sz="1200"/>
+          </a:p>
+        </p:txBody>
+      </p:sp>
+      <p:sp>
+        <p:nvSpPr>
+          <p:cNvPr id="16" name="矩形 15"/>
+          <p:cNvSpPr/>
+          <p:nvPr/>
+        </p:nvSpPr>
+        <p:spPr>
+          <a:xfrm>
+            <a:off x="4328795" y="568325"/>
+            <a:ext cx="1235710" cy="525145"/>
+          </a:xfrm>
+          <a:prstGeom prst="rect">
+            <a:avLst/>
+          </a:prstGeom>
+        </p:spPr>
+        <p:style>
+          <a:lnRef idx="2">
+            <a:schemeClr val="accent1">
+              <a:shade val="50000"/>
+            </a:schemeClr>
+          </a:lnRef>
+          <a:fillRef idx="1">
+            <a:schemeClr val="accent1"/>
+          </a:fillRef>
+          <a:effectRef idx="0">
+            <a:schemeClr val="accent1"/>
+          </a:effectRef>
+          <a:fontRef idx="minor">
+            <a:schemeClr val="lt1"/>
+          </a:fontRef>
+        </p:style>
+        <p:txBody>
+          <a:bodyPr rtlCol="0" anchor="ctr"/>
+          <a:p>
+            <a:pPr algn="ctr"/>
+            <a:r>
+              <a:rPr lang="en-US" altLang="zh-CN" sz="1200"/>
+              <a:t>xrBeginFrame</a:t>
+            </a:r>
+            <a:endParaRPr lang="en-US" altLang="zh-CN" sz="1200"/>
+          </a:p>
+        </p:txBody>
+      </p:sp>
+      <p:sp>
+        <p:nvSpPr>
+          <p:cNvPr id="17" name="矩形 16"/>
+          <p:cNvSpPr/>
+          <p:nvPr/>
+        </p:nvSpPr>
+        <p:spPr>
+          <a:xfrm>
+            <a:off x="4538345" y="1528445"/>
+            <a:ext cx="1235710" cy="525145"/>
+          </a:xfrm>
+          <a:prstGeom prst="rect">
+            <a:avLst/>
+          </a:prstGeom>
+        </p:spPr>
+        <p:style>
+          <a:lnRef idx="2">
+            <a:schemeClr val="accent1">
+              <a:shade val="50000"/>
+            </a:schemeClr>
+          </a:lnRef>
+          <a:fillRef idx="1">
+            <a:schemeClr val="accent1"/>
+          </a:fillRef>
+          <a:effectRef idx="0">
+            <a:schemeClr val="accent1"/>
+          </a:effectRef>
+          <a:fontRef idx="minor">
+            <a:schemeClr val="lt1"/>
+          </a:fontRef>
+        </p:style>
+        <p:txBody>
+          <a:bodyPr rtlCol="0" anchor="ctr"/>
+          <a:p>
+            <a:pPr algn="ctr"/>
+            <a:r>
+              <a:rPr lang="en-US" altLang="zh-CN" sz="1200"/>
+              <a:t>xrLocateViews</a:t>
+            </a:r>
+            <a:endParaRPr lang="en-US" altLang="zh-CN" sz="1200"/>
+          </a:p>
+        </p:txBody>
+      </p:sp>
+      <p:sp>
+        <p:nvSpPr>
+          <p:cNvPr id="18" name="矩形 17"/>
+          <p:cNvSpPr/>
+          <p:nvPr/>
+        </p:nvSpPr>
+        <p:spPr>
+          <a:xfrm>
+            <a:off x="6032500" y="1528445"/>
+            <a:ext cx="1235710" cy="525145"/>
+          </a:xfrm>
+          <a:prstGeom prst="rect">
+            <a:avLst/>
+          </a:prstGeom>
+        </p:spPr>
+        <p:style>
+          <a:lnRef idx="2">
+            <a:schemeClr val="accent1">
+              <a:shade val="50000"/>
+            </a:schemeClr>
+          </a:lnRef>
+          <a:fillRef idx="1">
+            <a:schemeClr val="accent1"/>
+          </a:fillRef>
+          <a:effectRef idx="0">
+            <a:schemeClr val="accent1"/>
+          </a:effectRef>
+          <a:fontRef idx="minor">
+            <a:schemeClr val="lt1"/>
+          </a:fontRef>
+        </p:style>
+        <p:txBody>
+          <a:bodyPr rtlCol="0" anchor="ctr"/>
+          <a:p>
+            <a:pPr algn="ctr"/>
+            <a:r>
+              <a:rPr lang="en-US" altLang="zh-CN" sz="1200"/>
+              <a:t>xrLocateSpace</a:t>
+            </a:r>
+            <a:endParaRPr lang="en-US" altLang="zh-CN" sz="1200"/>
+          </a:p>
+        </p:txBody>
+      </p:sp>
+      <p:sp>
+        <p:nvSpPr>
+          <p:cNvPr id="21" name="矩形 20"/>
+          <p:cNvSpPr/>
+          <p:nvPr/>
+        </p:nvSpPr>
+        <p:spPr>
+          <a:xfrm>
+            <a:off x="4538345" y="2457450"/>
+            <a:ext cx="1235710" cy="525145"/>
+          </a:xfrm>
+          <a:prstGeom prst="rect">
+            <a:avLst/>
+          </a:prstGeom>
+        </p:spPr>
+        <p:style>
+          <a:lnRef idx="2">
+            <a:schemeClr val="accent1">
+              <a:shade val="50000"/>
+            </a:schemeClr>
+          </a:lnRef>
+          <a:fillRef idx="1">
+            <a:schemeClr val="accent1"/>
+          </a:fillRef>
+          <a:effectRef idx="0">
+            <a:schemeClr val="accent1"/>
+          </a:effectRef>
+          <a:fontRef idx="minor">
+            <a:schemeClr val="lt1"/>
+          </a:fontRef>
+        </p:style>
+        <p:txBody>
+          <a:bodyPr rtlCol="0" anchor="ctr"/>
+          <a:p>
+            <a:pPr algn="ctr"/>
+            <a:r>
+              <a:rPr lang="en-US" altLang="zh-CN" sz="1200"/>
+              <a:t>xrAcquireImg</a:t>
+            </a:r>
+            <a:endParaRPr lang="en-US" altLang="zh-CN" sz="1200"/>
+          </a:p>
+        </p:txBody>
+      </p:sp>
+      <p:sp>
+        <p:nvSpPr>
+          <p:cNvPr id="23" name="矩形 22"/>
+          <p:cNvSpPr/>
+          <p:nvPr/>
+        </p:nvSpPr>
+        <p:spPr>
+          <a:xfrm>
+            <a:off x="6032500" y="2457450"/>
+            <a:ext cx="1235710" cy="525145"/>
+          </a:xfrm>
+          <a:prstGeom prst="rect">
+            <a:avLst/>
+          </a:prstGeom>
+        </p:spPr>
+        <p:style>
+          <a:lnRef idx="2">
+            <a:schemeClr val="accent1">
+              <a:shade val="50000"/>
+            </a:schemeClr>
+          </a:lnRef>
+          <a:fillRef idx="1">
+            <a:schemeClr val="accent1"/>
+          </a:fillRef>
+          <a:effectRef idx="0">
+            <a:schemeClr val="accent1"/>
+          </a:effectRef>
+          <a:fontRef idx="minor">
+            <a:schemeClr val="lt1"/>
+          </a:fontRef>
+        </p:style>
+        <p:txBody>
+          <a:bodyPr rtlCol="0" anchor="ctr"/>
+          <a:p>
+            <a:pPr algn="ctr"/>
+            <a:r>
+              <a:rPr lang="en-US" altLang="zh-CN" sz="1200"/>
+              <a:t>xrWaitImg</a:t>
+            </a:r>
+            <a:endParaRPr lang="en-US" altLang="zh-CN" sz="1200"/>
+          </a:p>
+        </p:txBody>
+      </p:sp>
+      <p:sp>
+        <p:nvSpPr>
+          <p:cNvPr id="24" name="矩形 23"/>
+          <p:cNvSpPr/>
+          <p:nvPr/>
+        </p:nvSpPr>
+        <p:spPr>
+          <a:xfrm>
+            <a:off x="7526655" y="2457450"/>
+            <a:ext cx="1235710" cy="525145"/>
+          </a:xfrm>
+          <a:prstGeom prst="rect">
+            <a:avLst/>
+          </a:prstGeom>
+          <a:solidFill>
+            <a:schemeClr val="accent6"/>
+          </a:solidFill>
+        </p:spPr>
+        <p:style>
+          <a:lnRef idx="2">
+            <a:schemeClr val="accent1">
+              <a:shade val="50000"/>
+            </a:schemeClr>
+          </a:lnRef>
+          <a:fillRef idx="1">
+            <a:schemeClr val="accent1"/>
+          </a:fillRef>
+          <a:effectRef idx="0">
+            <a:schemeClr val="accent1"/>
+          </a:effectRef>
+          <a:fontRef idx="minor">
+            <a:schemeClr val="lt1"/>
+          </a:fontRef>
+        </p:style>
+        <p:txBody>
+          <a:bodyPr rtlCol="0" anchor="ctr"/>
+          <a:p>
+            <a:pPr algn="ctr"/>
+            <a:r>
+              <a:rPr lang="en-US" altLang="zh-CN" sz="1200"/>
+              <a:t>ClientRender</a:t>
+            </a:r>
+            <a:endParaRPr lang="en-US" altLang="zh-CN" sz="1200"/>
+          </a:p>
+        </p:txBody>
+      </p:sp>
+      <p:sp>
+        <p:nvSpPr>
+          <p:cNvPr id="25" name="矩形 24"/>
+          <p:cNvSpPr/>
+          <p:nvPr/>
+        </p:nvSpPr>
+        <p:spPr>
+          <a:xfrm>
+            <a:off x="9020810" y="2457450"/>
+            <a:ext cx="1235710" cy="525145"/>
+          </a:xfrm>
+          <a:prstGeom prst="rect">
+            <a:avLst/>
+          </a:prstGeom>
+        </p:spPr>
+        <p:style>
+          <a:lnRef idx="2">
+            <a:schemeClr val="accent1">
+              <a:shade val="50000"/>
+            </a:schemeClr>
+          </a:lnRef>
+          <a:fillRef idx="1">
+            <a:schemeClr val="accent1"/>
+          </a:fillRef>
+          <a:effectRef idx="0">
+            <a:schemeClr val="accent1"/>
+          </a:effectRef>
+          <a:fontRef idx="minor">
+            <a:schemeClr val="lt1"/>
+          </a:fontRef>
+        </p:style>
+        <p:txBody>
+          <a:bodyPr rtlCol="0" anchor="ctr"/>
+          <a:p>
+            <a:pPr algn="ctr"/>
+            <a:r>
+              <a:rPr lang="en-US" altLang="zh-CN" sz="1200"/>
+              <a:t>xrReleseImg</a:t>
+            </a:r>
+            <a:endParaRPr lang="en-US" altLang="zh-CN" sz="1200"/>
+          </a:p>
+        </p:txBody>
+      </p:sp>
+      <p:sp>
+        <p:nvSpPr>
+          <p:cNvPr id="26" name="矩形 25"/>
+          <p:cNvSpPr/>
+          <p:nvPr/>
+        </p:nvSpPr>
+        <p:spPr>
+          <a:xfrm>
+            <a:off x="9206865" y="568325"/>
+            <a:ext cx="1235710" cy="525145"/>
+          </a:xfrm>
+          <a:prstGeom prst="rect">
+            <a:avLst/>
+          </a:prstGeom>
+        </p:spPr>
+        <p:style>
+          <a:lnRef idx="2">
+            <a:schemeClr val="accent1">
+              <a:shade val="50000"/>
+            </a:schemeClr>
+          </a:lnRef>
+          <a:fillRef idx="1">
+            <a:schemeClr val="accent1"/>
+          </a:fillRef>
+          <a:effectRef idx="0">
+            <a:schemeClr val="accent1"/>
+          </a:effectRef>
+          <a:fontRef idx="minor">
+            <a:schemeClr val="lt1"/>
+          </a:fontRef>
+        </p:style>
+        <p:txBody>
+          <a:bodyPr rtlCol="0" anchor="ctr"/>
+          <a:p>
+            <a:pPr algn="ctr"/>
+            <a:r>
+              <a:rPr lang="en-US" altLang="zh-CN" sz="1200"/>
+              <a:t>xrEndFrame</a:t>
+            </a:r>
+            <a:endParaRPr lang="en-US" altLang="zh-CN" sz="1200"/>
+          </a:p>
+        </p:txBody>
+      </p:sp>
+      <p:sp>
+        <p:nvSpPr>
+          <p:cNvPr id="28" name="文本框 27"/>
+          <p:cNvSpPr txBox="1"/>
+          <p:nvPr/>
+        </p:nvSpPr>
+        <p:spPr>
+          <a:xfrm>
+            <a:off x="8102600" y="1434465"/>
+            <a:ext cx="1799590" cy="368300"/>
+          </a:xfrm>
+          <a:prstGeom prst="rect">
+            <a:avLst/>
+          </a:prstGeom>
+          <a:noFill/>
+        </p:spPr>
+        <p:txBody>
+          <a:bodyPr wrap="square" rtlCol="0">
+            <a:spAutoFit/>
+          </a:bodyPr>
+          <a:p>
+            <a:r>
+              <a:rPr lang="en-US" altLang="zh-CN"/>
+              <a:t>Frame Render</a:t>
+            </a:r>
+            <a:endParaRPr lang="en-US" altLang="zh-CN"/>
+          </a:p>
+        </p:txBody>
+      </p:sp>
+      <p:sp>
+        <p:nvSpPr>
+          <p:cNvPr id="37" name="矩形 36"/>
+          <p:cNvSpPr/>
+          <p:nvPr/>
+        </p:nvSpPr>
+        <p:spPr>
+          <a:xfrm>
+            <a:off x="4328795" y="3932555"/>
+            <a:ext cx="1235710" cy="525145"/>
+          </a:xfrm>
+          <a:prstGeom prst="rect">
+            <a:avLst/>
+          </a:prstGeom>
+        </p:spPr>
+        <p:style>
+          <a:lnRef idx="2">
+            <a:schemeClr val="accent1">
+              <a:shade val="50000"/>
+            </a:schemeClr>
+          </a:lnRef>
+          <a:fillRef idx="1">
+            <a:schemeClr val="accent1"/>
+          </a:fillRef>
+          <a:effectRef idx="0">
+            <a:schemeClr val="accent1"/>
+          </a:effectRef>
+          <a:fontRef idx="minor">
+            <a:schemeClr val="lt1"/>
+          </a:fontRef>
+        </p:style>
+        <p:txBody>
+          <a:bodyPr rtlCol="0" anchor="ctr"/>
+          <a:p>
+            <a:pPr algn="ctr"/>
+            <a:r>
+              <a:rPr lang="en-US" altLang="zh-CN" sz="1200"/>
+              <a:t>oxr_BeginFrame</a:t>
+            </a:r>
+            <a:endParaRPr lang="en-US" altLang="zh-CN" sz="1200"/>
+          </a:p>
+        </p:txBody>
+      </p:sp>
+      <p:sp>
+        <p:nvSpPr>
+          <p:cNvPr id="38" name="矩形 37"/>
+          <p:cNvSpPr/>
+          <p:nvPr/>
+        </p:nvSpPr>
+        <p:spPr>
+          <a:xfrm>
+            <a:off x="5813425" y="3939540"/>
+            <a:ext cx="1235710" cy="525145"/>
+          </a:xfrm>
+          <a:prstGeom prst="rect">
+            <a:avLst/>
+          </a:prstGeom>
+        </p:spPr>
+        <p:style>
+          <a:lnRef idx="2">
+            <a:schemeClr val="accent1">
+              <a:shade val="50000"/>
+            </a:schemeClr>
+          </a:lnRef>
+          <a:fillRef idx="1">
+            <a:schemeClr val="accent1"/>
+          </a:fillRef>
+          <a:effectRef idx="0">
+            <a:schemeClr val="accent1"/>
+          </a:effectRef>
+          <a:fontRef idx="minor">
+            <a:schemeClr val="lt1"/>
+          </a:fontRef>
+        </p:style>
+        <p:txBody>
+          <a:bodyPr rtlCol="0" anchor="ctr"/>
+          <a:p>
+            <a:pPr algn="ctr"/>
+            <a:r>
+              <a:rPr lang="en-US" altLang="zh-CN" sz="1200">
+                <a:sym typeface="+mn-ea"/>
+              </a:rPr>
+              <a:t>oxr_LocateViews</a:t>
+            </a:r>
+            <a:endParaRPr lang="en-US" altLang="zh-CN" sz="1200"/>
+          </a:p>
+        </p:txBody>
+      </p:sp>
+      <p:sp>
+        <p:nvSpPr>
+          <p:cNvPr id="39" name="矩形 38"/>
+          <p:cNvSpPr/>
+          <p:nvPr/>
+        </p:nvSpPr>
+        <p:spPr>
+          <a:xfrm>
+            <a:off x="1148715" y="5365750"/>
+            <a:ext cx="9465310" cy="918210"/>
+          </a:xfrm>
+          <a:prstGeom prst="rect">
+            <a:avLst/>
+          </a:prstGeom>
+          <a:solidFill>
+            <a:schemeClr val="accent5">
+              <a:lumMod val="20000"/>
+              <a:lumOff val="80000"/>
+            </a:schemeClr>
+          </a:solidFill>
+          <a:ln>
+            <a:solidFill>
+              <a:schemeClr val="accent1">
+                <a:lumMod val="40000"/>
+                <a:lumOff val="60000"/>
+              </a:schemeClr>
+            </a:solidFill>
+          </a:ln>
+        </p:spPr>
+        <p:style>
+          <a:lnRef idx="2">
+            <a:schemeClr val="accent1">
+              <a:shade val="50000"/>
+            </a:schemeClr>
+          </a:lnRef>
+          <a:fillRef idx="1">
+            <a:schemeClr val="accent1"/>
+          </a:fillRef>
+          <a:effectRef idx="0">
+            <a:schemeClr val="accent1"/>
+          </a:effectRef>
+          <a:fontRef idx="minor">
+            <a:schemeClr val="lt1"/>
+          </a:fontRef>
+        </p:style>
+        <p:txBody>
+          <a:bodyPr rtlCol="0" anchor="ctr"/>
+          <a:p>
+            <a:pPr algn="ctr"/>
+            <a:endParaRPr lang="zh-CN" altLang="en-US"/>
+          </a:p>
+        </p:txBody>
+      </p:sp>
+      <p:sp>
+        <p:nvSpPr>
+          <p:cNvPr id="40" name="文本框 39"/>
+          <p:cNvSpPr txBox="1"/>
+          <p:nvPr/>
+        </p:nvSpPr>
+        <p:spPr>
+          <a:xfrm>
+            <a:off x="3175" y="5534660"/>
+            <a:ext cx="1109980" cy="368300"/>
+          </a:xfrm>
+          <a:prstGeom prst="rect">
+            <a:avLst/>
+          </a:prstGeom>
+          <a:noFill/>
+        </p:spPr>
+        <p:txBody>
+          <a:bodyPr wrap="none" rtlCol="0">
+            <a:spAutoFit/>
+          </a:bodyPr>
+          <a:p>
+            <a:r>
+              <a:rPr lang="en-US" altLang="zh-CN" b="1"/>
+              <a:t>Platform</a:t>
+            </a:r>
+            <a:endParaRPr lang="en-US" altLang="zh-CN" b="1"/>
+          </a:p>
+        </p:txBody>
+      </p:sp>
+      <p:sp>
+        <p:nvSpPr>
+          <p:cNvPr id="43" name="矩形 42"/>
+          <p:cNvSpPr/>
+          <p:nvPr/>
+        </p:nvSpPr>
+        <p:spPr>
+          <a:xfrm>
+            <a:off x="5813425" y="5624830"/>
+            <a:ext cx="1235710" cy="525145"/>
+          </a:xfrm>
+          <a:prstGeom prst="rect">
+            <a:avLst/>
+          </a:prstGeom>
+        </p:spPr>
+        <p:style>
+          <a:lnRef idx="2">
+            <a:schemeClr val="accent1">
+              <a:shade val="50000"/>
+            </a:schemeClr>
+          </a:lnRef>
+          <a:fillRef idx="1">
+            <a:schemeClr val="accent1"/>
+          </a:fillRef>
+          <a:effectRef idx="0">
+            <a:schemeClr val="accent1"/>
+          </a:effectRef>
+          <a:fontRef idx="minor">
+            <a:schemeClr val="lt1"/>
+          </a:fontRef>
+        </p:style>
+        <p:txBody>
+          <a:bodyPr rtlCol="0" anchor="ctr"/>
+          <a:p>
+            <a:pPr algn="ctr"/>
+            <a:r>
+              <a:rPr lang="en-US" altLang="zh-CN" sz="1200"/>
+              <a:t>GetViewPos</a:t>
+            </a:r>
+            <a:endParaRPr lang="en-US" altLang="zh-CN" sz="1200"/>
+          </a:p>
+        </p:txBody>
+      </p:sp>
+      <p:sp>
+        <p:nvSpPr>
+          <p:cNvPr id="47" name="矩形 46"/>
+          <p:cNvSpPr/>
+          <p:nvPr/>
+        </p:nvSpPr>
+        <p:spPr>
+          <a:xfrm>
+            <a:off x="9020810" y="3934460"/>
+            <a:ext cx="1235710" cy="525145"/>
+          </a:xfrm>
+          <a:prstGeom prst="rect">
+            <a:avLst/>
+          </a:prstGeom>
+          <a:solidFill>
+            <a:schemeClr val="accent6"/>
+          </a:solidFill>
+        </p:spPr>
+        <p:style>
+          <a:lnRef idx="2">
+            <a:schemeClr val="accent1">
+              <a:shade val="50000"/>
+            </a:schemeClr>
+          </a:lnRef>
+          <a:fillRef idx="1">
+            <a:schemeClr val="accent1"/>
+          </a:fillRef>
+          <a:effectRef idx="0">
+            <a:schemeClr val="accent1"/>
+          </a:effectRef>
+          <a:fontRef idx="minor">
+            <a:schemeClr val="lt1"/>
+          </a:fontRef>
+        </p:style>
+        <p:txBody>
+          <a:bodyPr rtlCol="0" anchor="ctr"/>
+          <a:p>
+            <a:pPr algn="ctr"/>
+            <a:r>
+              <a:rPr lang="en-US" altLang="zh-CN" sz="1200"/>
+              <a:t>Compositor</a:t>
+            </a:r>
+            <a:endParaRPr lang="en-US" altLang="zh-CN" sz="1200"/>
+          </a:p>
+          <a:p>
+            <a:pPr algn="ctr"/>
+            <a:r>
+              <a:rPr lang="en-US" altLang="zh-CN" sz="1200"/>
+              <a:t>ATW</a:t>
+            </a:r>
+            <a:endParaRPr lang="en-US" altLang="zh-CN" sz="1200"/>
+          </a:p>
+        </p:txBody>
+      </p:sp>
+      <p:sp>
+        <p:nvSpPr>
+          <p:cNvPr id="48" name="矩形 47"/>
+          <p:cNvSpPr/>
+          <p:nvPr/>
+        </p:nvSpPr>
+        <p:spPr>
+          <a:xfrm>
+            <a:off x="10732770" y="3930015"/>
+            <a:ext cx="1235710" cy="525145"/>
+          </a:xfrm>
+          <a:prstGeom prst="rect">
+            <a:avLst/>
+          </a:prstGeom>
+          <a:solidFill>
+            <a:schemeClr val="accent1"/>
+          </a:solidFill>
+        </p:spPr>
+        <p:style>
+          <a:lnRef idx="2">
+            <a:schemeClr val="accent1">
+              <a:shade val="50000"/>
+            </a:schemeClr>
+          </a:lnRef>
+          <a:fillRef idx="1">
+            <a:schemeClr val="accent1"/>
+          </a:fillRef>
+          <a:effectRef idx="0">
+            <a:schemeClr val="accent1"/>
+          </a:effectRef>
+          <a:fontRef idx="minor">
+            <a:schemeClr val="lt1"/>
+          </a:fontRef>
+        </p:style>
+        <p:txBody>
+          <a:bodyPr rtlCol="0" anchor="ctr"/>
+          <a:p>
+            <a:pPr algn="ctr"/>
+            <a:r>
+              <a:rPr lang="en-US" altLang="zh-CN" sz="1200"/>
+              <a:t>Display</a:t>
+            </a:r>
+            <a:endParaRPr lang="en-US" altLang="zh-CN" sz="1200"/>
+          </a:p>
+        </p:txBody>
+      </p:sp>
+      <p:cxnSp>
+        <p:nvCxnSpPr>
+          <p:cNvPr id="50" name="肘形连接符 49"/>
+          <p:cNvCxnSpPr>
+            <a:stCxn id="47" idx="3"/>
+            <a:endCxn id="48" idx="1"/>
+          </p:cNvCxnSpPr>
+          <p:nvPr/>
+        </p:nvCxnSpPr>
+        <p:spPr>
+          <a:xfrm flipV="1">
+            <a:off x="10256520" y="4192905"/>
+            <a:ext cx="476250" cy="4445"/>
+          </a:xfrm>
+          <a:prstGeom prst="bentConnector3">
+            <a:avLst>
+              <a:gd name="adj1" fmla="val 50000"/>
+            </a:avLst>
+          </a:prstGeom>
+          <a:ln>
+            <a:tailEnd type="arrow"/>
+          </a:ln>
+        </p:spPr>
+        <p:style>
+          <a:lnRef idx="1">
+            <a:schemeClr val="accent1"/>
+          </a:lnRef>
+          <a:fillRef idx="0">
+            <a:schemeClr val="accent1"/>
+          </a:fillRef>
+          <a:effectRef idx="0">
+            <a:schemeClr val="accent1"/>
+          </a:effectRef>
+          <a:fontRef idx="minor">
+            <a:schemeClr val="tx1"/>
+          </a:fontRef>
+        </p:style>
+      </p:cxnSp>
+      <p:sp>
+        <p:nvSpPr>
+          <p:cNvPr id="51" name="下箭头 50"/>
+          <p:cNvSpPr/>
+          <p:nvPr/>
+        </p:nvSpPr>
+        <p:spPr>
+          <a:xfrm>
+            <a:off x="9124315" y="3028315"/>
+            <a:ext cx="958215" cy="874395"/>
+          </a:xfrm>
+          <a:prstGeom prst="downArrow">
+            <a:avLst/>
+          </a:prstGeom>
+        </p:spPr>
+        <p:style>
+          <a:lnRef idx="2">
+            <a:schemeClr val="accent2">
+              <a:shade val="50000"/>
+            </a:schemeClr>
+          </a:lnRef>
+          <a:fillRef idx="1">
+            <a:schemeClr val="accent2"/>
+          </a:fillRef>
+          <a:effectRef idx="0">
+            <a:schemeClr val="accent2"/>
+          </a:effectRef>
+          <a:fontRef idx="minor">
+            <a:schemeClr val="lt1"/>
+          </a:fontRef>
+        </p:style>
+        <p:txBody>
+          <a:bodyPr rtlCol="0" anchor="ctr"/>
+          <a:p>
+            <a:pPr algn="ctr"/>
+            <a:endParaRPr lang="en-US" altLang="zh-CN"/>
+          </a:p>
+        </p:txBody>
+      </p:sp>
+      <p:sp>
+        <p:nvSpPr>
+          <p:cNvPr id="52" name="文本框 51"/>
+          <p:cNvSpPr txBox="1"/>
+          <p:nvPr/>
+        </p:nvSpPr>
+        <p:spPr>
+          <a:xfrm>
+            <a:off x="8814435" y="3076575"/>
+            <a:ext cx="1799590" cy="368300"/>
+          </a:xfrm>
+          <a:prstGeom prst="rect">
+            <a:avLst/>
+          </a:prstGeom>
+          <a:noFill/>
+        </p:spPr>
+        <p:txBody>
+          <a:bodyPr wrap="square" rtlCol="0">
+            <a:spAutoFit/>
+          </a:bodyPr>
+          <a:p>
+            <a:r>
+              <a:rPr lang="en-US" altLang="zh-CN"/>
+              <a:t>HardwareBuffer</a:t>
+            </a:r>
+            <a:endParaRPr lang="en-US" altLang="zh-CN"/>
+          </a:p>
+        </p:txBody>
+      </p:sp>
+      <p:sp>
+        <p:nvSpPr>
+          <p:cNvPr id="53" name="矩形 52"/>
+          <p:cNvSpPr/>
+          <p:nvPr/>
+        </p:nvSpPr>
+        <p:spPr>
+          <a:xfrm>
+            <a:off x="9020810" y="5621655"/>
+            <a:ext cx="1235710" cy="525145"/>
+          </a:xfrm>
+          <a:prstGeom prst="rect">
+            <a:avLst/>
+          </a:prstGeom>
+        </p:spPr>
+        <p:style>
+          <a:lnRef idx="2">
+            <a:schemeClr val="accent1">
+              <a:shade val="50000"/>
+            </a:schemeClr>
+          </a:lnRef>
+          <a:fillRef idx="1">
+            <a:schemeClr val="accent1"/>
+          </a:fillRef>
+          <a:effectRef idx="0">
+            <a:schemeClr val="accent1"/>
+          </a:effectRef>
+          <a:fontRef idx="minor">
+            <a:schemeClr val="lt1"/>
+          </a:fontRef>
+        </p:style>
+        <p:txBody>
+          <a:bodyPr rtlCol="0" anchor="ctr"/>
+          <a:p>
+            <a:pPr algn="ctr"/>
+            <a:r>
+              <a:rPr lang="en-US" altLang="zh-CN" sz="1200"/>
+              <a:t>GetVsync</a:t>
+            </a:r>
+            <a:endParaRPr lang="en-US" altLang="zh-CN" sz="1200"/>
+          </a:p>
+        </p:txBody>
+      </p:sp>
+      <p:cxnSp>
+        <p:nvCxnSpPr>
+          <p:cNvPr id="55" name="直接箭头连接符 54"/>
+          <p:cNvCxnSpPr>
+            <a:stCxn id="38" idx="2"/>
+            <a:endCxn id="43" idx="0"/>
+          </p:cNvCxnSpPr>
+          <p:nvPr/>
+        </p:nvCxnSpPr>
+        <p:spPr>
+          <a:xfrm>
+            <a:off x="6431280" y="4464685"/>
+            <a:ext cx="0" cy="1160145"/>
+          </a:xfrm>
+          <a:prstGeom prst="straightConnector1">
+            <a:avLst/>
+          </a:prstGeom>
+          <a:ln>
+            <a:tailEnd type="arrow"/>
+          </a:ln>
+        </p:spPr>
+        <p:style>
+          <a:lnRef idx="1">
+            <a:schemeClr val="accent1"/>
+          </a:lnRef>
+          <a:fillRef idx="0">
+            <a:schemeClr val="accent1"/>
+          </a:fillRef>
+          <a:effectRef idx="0">
+            <a:schemeClr val="accent1"/>
+          </a:effectRef>
+          <a:fontRef idx="minor">
+            <a:schemeClr val="tx1"/>
+          </a:fontRef>
+        </p:style>
+      </p:cxnSp>
+      <p:cxnSp>
+        <p:nvCxnSpPr>
+          <p:cNvPr id="56" name="直接箭头连接符 55"/>
+          <p:cNvCxnSpPr>
+            <a:stCxn id="47" idx="2"/>
+            <a:endCxn id="53" idx="0"/>
+          </p:cNvCxnSpPr>
+          <p:nvPr/>
+        </p:nvCxnSpPr>
+        <p:spPr>
+          <a:xfrm>
+            <a:off x="9638665" y="4459605"/>
+            <a:ext cx="0" cy="1162050"/>
+          </a:xfrm>
+          <a:prstGeom prst="straightConnector1">
+            <a:avLst/>
+          </a:prstGeom>
+          <a:ln>
+            <a:tailEnd type="arrow"/>
+          </a:ln>
+        </p:spPr>
+        <p:style>
+          <a:lnRef idx="1">
+            <a:schemeClr val="accent1"/>
+          </a:lnRef>
+          <a:fillRef idx="0">
+            <a:schemeClr val="accent1"/>
+          </a:fillRef>
+          <a:effectRef idx="0">
+            <a:schemeClr val="accent1"/>
+          </a:effectRef>
+          <a:fontRef idx="minor">
+            <a:schemeClr val="tx1"/>
+          </a:fontRef>
+        </p:style>
+      </p:cxnSp>
+      <p:cxnSp>
+        <p:nvCxnSpPr>
+          <p:cNvPr id="57" name="直接箭头连接符 56"/>
+          <p:cNvCxnSpPr>
+            <a:stCxn id="13" idx="3"/>
+            <a:endCxn id="16" idx="1"/>
+          </p:cNvCxnSpPr>
+          <p:nvPr/>
+        </p:nvCxnSpPr>
+        <p:spPr>
+          <a:xfrm>
+            <a:off x="4063365" y="831215"/>
+            <a:ext cx="265430" cy="0"/>
+          </a:xfrm>
+          <a:prstGeom prst="straightConnector1">
+            <a:avLst/>
+          </a:prstGeom>
+          <a:ln>
+            <a:tailEnd type="arrow"/>
+          </a:ln>
+        </p:spPr>
+        <p:style>
+          <a:lnRef idx="1">
+            <a:schemeClr val="accent1"/>
+          </a:lnRef>
+          <a:fillRef idx="0">
+            <a:schemeClr val="accent1"/>
+          </a:fillRef>
+          <a:effectRef idx="0">
+            <a:schemeClr val="accent1"/>
+          </a:effectRef>
+          <a:fontRef idx="minor">
+            <a:schemeClr val="tx1"/>
+          </a:fontRef>
+        </p:style>
+      </p:cxnSp>
+      <p:cxnSp>
+        <p:nvCxnSpPr>
+          <p:cNvPr id="59" name="直接箭头连接符 58"/>
+          <p:cNvCxnSpPr>
+            <a:stCxn id="16" idx="2"/>
+          </p:cNvCxnSpPr>
+          <p:nvPr/>
+        </p:nvCxnSpPr>
+        <p:spPr>
+          <a:xfrm>
+            <a:off x="4946650" y="1093470"/>
+            <a:ext cx="5080" cy="221615"/>
+          </a:xfrm>
+          <a:prstGeom prst="straightConnector1">
+            <a:avLst/>
+          </a:prstGeom>
+          <a:ln>
+            <a:tailEnd type="arrow"/>
+          </a:ln>
+        </p:spPr>
+        <p:style>
+          <a:lnRef idx="1">
+            <a:schemeClr val="accent1"/>
+          </a:lnRef>
+          <a:fillRef idx="0">
+            <a:schemeClr val="accent1"/>
+          </a:fillRef>
+          <a:effectRef idx="0">
+            <a:schemeClr val="accent1"/>
+          </a:effectRef>
+          <a:fontRef idx="minor">
+            <a:schemeClr val="tx1"/>
+          </a:fontRef>
+        </p:style>
+      </p:cxnSp>
+      <p:cxnSp>
+        <p:nvCxnSpPr>
+          <p:cNvPr id="63" name="直接箭头连接符 62"/>
+          <p:cNvCxnSpPr>
+            <a:endCxn id="26" idx="2"/>
+          </p:cNvCxnSpPr>
+          <p:nvPr/>
+        </p:nvCxnSpPr>
+        <p:spPr>
+          <a:xfrm flipV="1">
+            <a:off x="9814560" y="1093470"/>
+            <a:ext cx="10160" cy="221615"/>
+          </a:xfrm>
+          <a:prstGeom prst="straightConnector1">
+            <a:avLst/>
+          </a:prstGeom>
+          <a:ln>
+            <a:tailEnd type="arrow"/>
+          </a:ln>
+        </p:spPr>
+        <p:style>
+          <a:lnRef idx="1">
+            <a:schemeClr val="accent1"/>
+          </a:lnRef>
+          <a:fillRef idx="0">
+            <a:schemeClr val="accent1"/>
+          </a:fillRef>
+          <a:effectRef idx="0">
+            <a:schemeClr val="accent1"/>
+          </a:effectRef>
+          <a:fontRef idx="minor">
+            <a:schemeClr val="tx1"/>
+          </a:fontRef>
+        </p:style>
+      </p:cxnSp>
+    </p:spTree>
+  </p:cSld>
+  <p:clrMapOvr>
+    <a:masterClrMapping/>
+  </p:clrMapOvr>
+</p:sld>
+</file>
+
 <file path=ppt/theme/theme1.xml><?xml version="1.0" encoding="utf-8"?>
 <a:theme xmlns:a="http://schemas.openxmlformats.org/drawingml/2006/main" name="Office 主题​​">
   <a:themeElements>

--- a/posts/learn_vulkan/vulkan.pptx
+++ b/posts/learn_vulkan/vulkan.pptx
@@ -9706,144 +9706,6 @@
       </p:sp>
       <p:sp>
         <p:nvSpPr>
-          <p:cNvPr id="47" name="矩形 46"/>
-          <p:cNvSpPr/>
-          <p:nvPr/>
-        </p:nvSpPr>
-        <p:spPr>
-          <a:xfrm>
-            <a:off x="9020810" y="3934460"/>
-            <a:ext cx="1235710" cy="525145"/>
-          </a:xfrm>
-          <a:prstGeom prst="rect">
-            <a:avLst/>
-          </a:prstGeom>
-          <a:solidFill>
-            <a:schemeClr val="accent6"/>
-          </a:solidFill>
-        </p:spPr>
-        <p:style>
-          <a:lnRef idx="2">
-            <a:schemeClr val="accent1">
-              <a:shade val="50000"/>
-            </a:schemeClr>
-          </a:lnRef>
-          <a:fillRef idx="1">
-            <a:schemeClr val="accent1"/>
-          </a:fillRef>
-          <a:effectRef idx="0">
-            <a:schemeClr val="accent1"/>
-          </a:effectRef>
-          <a:fontRef idx="minor">
-            <a:schemeClr val="lt1"/>
-          </a:fontRef>
-        </p:style>
-        <p:txBody>
-          <a:bodyPr rtlCol="0" anchor="ctr"/>
-          <a:p>
-            <a:pPr algn="ctr"/>
-            <a:r>
-              <a:rPr lang="en-US" altLang="zh-CN" sz="1200"/>
-              <a:t>Compositor</a:t>
-            </a:r>
-            <a:endParaRPr lang="en-US" altLang="zh-CN" sz="1200"/>
-          </a:p>
-          <a:p>
-            <a:pPr algn="ctr"/>
-            <a:r>
-              <a:rPr lang="en-US" altLang="zh-CN" sz="1200"/>
-              <a:t>ATW</a:t>
-            </a:r>
-            <a:endParaRPr lang="en-US" altLang="zh-CN" sz="1200"/>
-          </a:p>
-        </p:txBody>
-      </p:sp>
-      <p:sp>
-        <p:nvSpPr>
-          <p:cNvPr id="48" name="矩形 47"/>
-          <p:cNvSpPr/>
-          <p:nvPr/>
-        </p:nvSpPr>
-        <p:spPr>
-          <a:xfrm>
-            <a:off x="10732770" y="3930015"/>
-            <a:ext cx="1235710" cy="525145"/>
-          </a:xfrm>
-          <a:prstGeom prst="rect">
-            <a:avLst/>
-          </a:prstGeom>
-          <a:solidFill>
-            <a:schemeClr val="accent1"/>
-          </a:solidFill>
-        </p:spPr>
-        <p:style>
-          <a:lnRef idx="2">
-            <a:schemeClr val="accent1">
-              <a:shade val="50000"/>
-            </a:schemeClr>
-          </a:lnRef>
-          <a:fillRef idx="1">
-            <a:schemeClr val="accent1"/>
-          </a:fillRef>
-          <a:effectRef idx="0">
-            <a:schemeClr val="accent1"/>
-          </a:effectRef>
-          <a:fontRef idx="minor">
-            <a:schemeClr val="lt1"/>
-          </a:fontRef>
-        </p:style>
-        <p:txBody>
-          <a:bodyPr rtlCol="0" anchor="ctr"/>
-          <a:p>
-            <a:pPr algn="ctr"/>
-            <a:r>
-              <a:rPr lang="en-US" altLang="zh-CN" sz="1200"/>
-              <a:t>Display</a:t>
-            </a:r>
-            <a:endParaRPr lang="en-US" altLang="zh-CN" sz="1200"/>
-          </a:p>
-        </p:txBody>
-      </p:sp>
-      <p:cxnSp>
-        <p:nvCxnSpPr>
-          <p:cNvPr id="50" name="肘形连接符 49"/>
-          <p:cNvCxnSpPr>
-            <a:stCxn id="47" idx="3"/>
-            <a:endCxn id="48" idx="1"/>
-          </p:cNvCxnSpPr>
-          <p:nvPr/>
-        </p:nvCxnSpPr>
-        <p:spPr>
-          <a:xfrm flipV="1">
-            <a:off x="10256520" y="4192905"/>
-            <a:ext cx="476250" cy="4445"/>
-          </a:xfrm>
-          <a:prstGeom prst="bentConnector3">
-            <a:avLst>
-              <a:gd name="adj1" fmla="val 50000"/>
-            </a:avLst>
-          </a:prstGeom>
-          <a:ln>
-            <a:tailEnd type="arrow"/>
-          </a:ln>
-        </p:spPr>
-        <p:style>
-          <a:lnRef idx="1">
-            <a:schemeClr val="accent1"/>
-          </a:lnRef>
-          <a:fillRef idx="0">
-            <a:schemeClr val="accent1"/>
-          </a:fillRef>
-          <a:effectRef idx="0">
-            <a:schemeClr val="accent1"/>
-          </a:effectRef>
-          <a:fontRef idx="minor">
-            <a:schemeClr val="tx1"/>
-          </a:fontRef>
-        </p:style>
-      </p:cxnSp>
-      <p:sp>
-        <p:nvSpPr>
           <p:cNvPr id="51" name="下箭头 50"/>
           <p:cNvSpPr/>
           <p:nvPr/>
@@ -9851,7 +9713,7 @@
         <p:spPr>
           <a:xfrm>
             <a:off x="9124315" y="3028315"/>
-            <a:ext cx="958215" cy="874395"/>
+            <a:ext cx="958215" cy="777240"/>
           </a:xfrm>
           <a:prstGeom prst="downArrow">
             <a:avLst/>
@@ -10131,6 +9993,89 @@
           </a:fontRef>
         </p:style>
       </p:cxnSp>
+      <p:sp>
+        <p:nvSpPr>
+          <p:cNvPr id="2" name="流程图: 多文档 1"/>
+          <p:cNvSpPr/>
+          <p:nvPr/>
+        </p:nvSpPr>
+        <p:spPr>
+          <a:xfrm>
+            <a:off x="8963660" y="3843020"/>
+            <a:ext cx="1350010" cy="716915"/>
+          </a:xfrm>
+          <a:prstGeom prst="flowChartMultidocument">
+            <a:avLst/>
+          </a:prstGeom>
+          <a:solidFill>
+            <a:schemeClr val="accent6"/>
+          </a:solidFill>
+        </p:spPr>
+        <p:style>
+          <a:lnRef idx="2">
+            <a:schemeClr val="accent1">
+              <a:shade val="50000"/>
+            </a:schemeClr>
+          </a:lnRef>
+          <a:fillRef idx="1">
+            <a:schemeClr val="accent1"/>
+          </a:fillRef>
+          <a:effectRef idx="0">
+            <a:schemeClr val="accent1"/>
+          </a:effectRef>
+          <a:fontRef idx="minor">
+            <a:schemeClr val="lt1"/>
+          </a:fontRef>
+        </p:style>
+        <p:txBody>
+          <a:bodyPr rtlCol="0" anchor="ctr"/>
+          <a:p>
+            <a:pPr algn="ctr"/>
+            <a:r>
+              <a:rPr lang="en-US" altLang="zh-CN" sz="1200">
+                <a:sym typeface="+mn-ea"/>
+              </a:rPr>
+              <a:t>Compositor</a:t>
+            </a:r>
+            <a:endParaRPr lang="en-US" altLang="zh-CN" sz="1200"/>
+          </a:p>
+          <a:p>
+            <a:pPr algn="ctr"/>
+            <a:r>
+              <a:rPr lang="en-US" altLang="zh-CN" sz="1200">
+                <a:sym typeface="+mn-ea"/>
+              </a:rPr>
+              <a:t>ATW</a:t>
+            </a:r>
+            <a:endParaRPr lang="zh-CN" altLang="en-US" sz="1200"/>
+          </a:p>
+        </p:txBody>
+      </p:sp>
+      <p:sp>
+        <p:nvSpPr>
+          <p:cNvPr id="3" name="文本框 2"/>
+          <p:cNvSpPr txBox="1"/>
+          <p:nvPr/>
+        </p:nvSpPr>
+        <p:spPr>
+          <a:xfrm>
+            <a:off x="10988040" y="2439035"/>
+            <a:ext cx="309880" cy="368300"/>
+          </a:xfrm>
+          <a:prstGeom prst="rect">
+            <a:avLst/>
+          </a:prstGeom>
+          <a:noFill/>
+        </p:spPr>
+        <p:txBody>
+          <a:bodyPr wrap="none" rtlCol="0">
+            <a:spAutoFit/>
+          </a:bodyPr>
+          <a:p>
+            <a:endParaRPr lang="zh-CN" altLang="en-US"/>
+          </a:p>
+        </p:txBody>
+      </p:sp>
     </p:spTree>
   </p:cSld>
   <p:clrMapOvr>
